--- a/ログルール/Webシステムのログルール.pptx
+++ b/ログルール/Webシステムのログルール.pptx
@@ -5,17 +5,18 @@
     <p:sldMasterId id="2147483648" r:id="rId1"/>
   </p:sldMasterIdLst>
   <p:notesMasterIdLst>
-    <p:notesMasterId r:id="rId7"/>
+    <p:notesMasterId r:id="rId8"/>
   </p:notesMasterIdLst>
   <p:handoutMasterIdLst>
-    <p:handoutMasterId r:id="rId8"/>
+    <p:handoutMasterId r:id="rId9"/>
   </p:handoutMasterIdLst>
   <p:sldIdLst>
     <p:sldId id="256" r:id="rId2"/>
     <p:sldId id="308" r:id="rId3"/>
     <p:sldId id="307" r:id="rId4"/>
     <p:sldId id="306" r:id="rId5"/>
-    <p:sldId id="305" r:id="rId6"/>
+    <p:sldId id="309" r:id="rId6"/>
+    <p:sldId id="305" r:id="rId7"/>
   </p:sldIdLst>
   <p:sldSz cx="9144000" cy="6858000" type="screen4x3"/>
   <p:notesSz cx="7102475" cy="10234613"/>
@@ -216,7 +217,7 @@
           <a:p>
             <a:fld id="{9F896D6C-A7D6-43CC-8ADE-3EEF23383B79}" type="datetimeFigureOut">
               <a:rPr kumimoji="1" lang="ja-JP" altLang="en-US" smtClean="0"/>
-              <a:t>2020/7/10</a:t>
+              <a:t>2020/7/14</a:t>
             </a:fld>
             <a:endParaRPr kumimoji="1" lang="ja-JP" altLang="en-US"/>
           </a:p>
@@ -988,6 +989,117 @@
 </file>
 
 <file path=ppt/notesSlides/notesSlide5.xml><?xml version="1.0" encoding="utf-8"?>
+<p:notes xmlns:a="http://schemas.openxmlformats.org/drawingml/2006/main" xmlns:r="http://schemas.openxmlformats.org/officeDocument/2006/relationships" xmlns:p="http://schemas.openxmlformats.org/presentationml/2006/main">
+  <p:cSld>
+    <p:spTree>
+      <p:nvGrpSpPr>
+        <p:cNvPr id="1" name=""/>
+        <p:cNvGrpSpPr/>
+        <p:nvPr/>
+      </p:nvGrpSpPr>
+      <p:grpSpPr>
+        <a:xfrm>
+          <a:off x="0" y="0"/>
+          <a:ext cx="0" cy="0"/>
+          <a:chOff x="0" y="0"/>
+          <a:chExt cx="0" cy="0"/>
+        </a:xfrm>
+      </p:grpSpPr>
+      <p:sp>
+        <p:nvSpPr>
+          <p:cNvPr id="152" name="PlaceHolder 1"/>
+          <p:cNvSpPr>
+            <a:spLocks noGrp="1" noRot="1" noChangeAspect="1"/>
+          </p:cNvSpPr>
+          <p:nvPr>
+            <p:ph type="sldImg"/>
+          </p:nvPr>
+        </p:nvSpPr>
+        <p:spPr>
+          <a:xfrm>
+            <a:off x="993775" y="768350"/>
+            <a:ext cx="5113338" cy="3835400"/>
+          </a:xfrm>
+          <a:prstGeom prst="rect">
+            <a:avLst/>
+          </a:prstGeom>
+        </p:spPr>
+      </p:sp>
+      <p:sp>
+        <p:nvSpPr>
+          <p:cNvPr id="153" name="PlaceHolder 2"/>
+          <p:cNvSpPr>
+            <a:spLocks noGrp="1"/>
+          </p:cNvSpPr>
+          <p:nvPr>
+            <p:ph type="body"/>
+          </p:nvPr>
+        </p:nvSpPr>
+        <p:spPr>
+          <a:xfrm>
+            <a:off x="709560" y="4861080"/>
+            <a:ext cx="5680800" cy="4602960"/>
+          </a:xfrm>
+          <a:prstGeom prst="rect">
+            <a:avLst/>
+          </a:prstGeom>
+        </p:spPr>
+        <p:txBody>
+          <a:bodyPr lIns="99000" tIns="49680" rIns="99000" bIns="49680"/>
+          <a:lstStyle/>
+          <a:p>
+            <a:endParaRPr lang="en-US" sz="2000" b="0" strike="noStrike" spc="-1">
+              <a:latin typeface="Arial"/>
+            </a:endParaRPr>
+          </a:p>
+        </p:txBody>
+      </p:sp>
+      <p:sp>
+        <p:nvSpPr>
+          <p:cNvPr id="154" name="CustomShape 3"/>
+          <p:cNvSpPr/>
+          <p:nvPr/>
+        </p:nvSpPr>
+        <p:spPr>
+          <a:xfrm>
+            <a:off x="4022640" y="9721800"/>
+            <a:ext cx="3075480" cy="508680"/>
+          </a:xfrm>
+          <a:prstGeom prst="rect">
+            <a:avLst/>
+          </a:prstGeom>
+          <a:noFill/>
+          <a:ln>
+            <a:noFill/>
+          </a:ln>
+        </p:spPr>
+        <p:style>
+          <a:lnRef idx="0">
+            <a:srgbClr val="FFFFFF"/>
+          </a:lnRef>
+          <a:fillRef idx="0">
+            <a:srgbClr val="FFFFFF"/>
+          </a:fillRef>
+          <a:effectRef idx="0">
+            <a:srgbClr val="FFFFFF"/>
+          </a:effectRef>
+          <a:fontRef idx="minor"/>
+        </p:style>
+      </p:sp>
+    </p:spTree>
+    <p:extLst>
+      <p:ext uri="{BB962C8B-B14F-4D97-AF65-F5344CB8AC3E}">
+        <p14:creationId xmlns:p14="http://schemas.microsoft.com/office/powerpoint/2010/main" val="3447818534"/>
+      </p:ext>
+    </p:extLst>
+  </p:cSld>
+  <p:clrMapOvr>
+    <a:masterClrMapping/>
+  </p:clrMapOvr>
+</p:notes>
+</file>
+
+<file path=ppt/notesSlides/notesSlide6.xml><?xml version="1.0" encoding="utf-8"?>
 <p:notes xmlns:a="http://schemas.openxmlformats.org/drawingml/2006/main" xmlns:r="http://schemas.openxmlformats.org/officeDocument/2006/relationships" xmlns:p="http://schemas.openxmlformats.org/presentationml/2006/main">
   <p:cSld>
     <p:spTree>
@@ -3356,7 +3468,7 @@
             </a:pPr>
             <a:r>
               <a:rPr kumimoji="1" lang="ja-JP" altLang="en-US" dirty="0"/>
-              <a:t>コミットする時に、基本的に</a:t>
+              <a:t>基本的に</a:t>
             </a:r>
             <a:r>
               <a:rPr kumimoji="1" lang="en-US" altLang="ja-JP" dirty="0"/>
@@ -3707,7 +3819,7 @@
           <p:nvPr>
             <p:extLst>
               <p:ext uri="{D42A27DB-BD31-4B8C-83A1-F6EECF244321}">
-                <p14:modId xmlns:p14="http://schemas.microsoft.com/office/powerpoint/2010/main" val="348292610"/>
+                <p14:modId xmlns:p14="http://schemas.microsoft.com/office/powerpoint/2010/main" val="3498369919"/>
               </p:ext>
             </p:extLst>
           </p:nvPr>
@@ -3895,7 +4007,7 @@
                     <a:p>
                       <a:r>
                         <a:rPr kumimoji="1" lang="en-US" altLang="ja-JP" sz="1600" dirty="0"/>
-                        <a:t>Dev</a:t>
+                        <a:t>Trace</a:t>
                       </a:r>
                       <a:r>
                         <a:rPr kumimoji="1" lang="ja-JP" altLang="en-US" sz="1600" dirty="0"/>
@@ -3911,12 +4023,8 @@
                     <a:lstStyle/>
                     <a:p>
                       <a:r>
-                        <a:rPr kumimoji="1" lang="en-US" altLang="ja-JP" sz="1600" dirty="0"/>
-                        <a:t>Dev</a:t>
-                      </a:r>
-                      <a:r>
                         <a:rPr kumimoji="1" lang="ja-JP" altLang="en-US" sz="1600" dirty="0"/>
-                        <a:t>時のログ</a:t>
+                        <a:t>実行順番のログ</a:t>
                       </a:r>
                     </a:p>
                   </a:txBody>
@@ -4976,6 +5084,323 @@
 </file>
 
 <file path=ppt/slides/slide5.xml><?xml version="1.0" encoding="utf-8"?>
+<p:sld xmlns:a="http://schemas.openxmlformats.org/drawingml/2006/main" xmlns:r="http://schemas.openxmlformats.org/officeDocument/2006/relationships" xmlns:p="http://schemas.openxmlformats.org/presentationml/2006/main">
+  <p:cSld>
+    <p:spTree>
+      <p:nvGrpSpPr>
+        <p:cNvPr id="1" name=""/>
+        <p:cNvGrpSpPr/>
+        <p:nvPr/>
+      </p:nvGrpSpPr>
+      <p:grpSpPr>
+        <a:xfrm>
+          <a:off x="0" y="0"/>
+          <a:ext cx="0" cy="0"/>
+          <a:chOff x="0" y="0"/>
+          <a:chExt cx="0" cy="0"/>
+        </a:xfrm>
+      </p:grpSpPr>
+      <p:sp>
+        <p:nvSpPr>
+          <p:cNvPr id="50" name="CustomShape 1"/>
+          <p:cNvSpPr/>
+          <p:nvPr/>
+        </p:nvSpPr>
+        <p:spPr>
+          <a:xfrm>
+            <a:off x="0" y="739800"/>
+            <a:ext cx="8069760" cy="48240"/>
+          </a:xfrm>
+          <a:prstGeom prst="rect">
+            <a:avLst/>
+          </a:prstGeom>
+          <a:solidFill>
+            <a:srgbClr val="BEC2CD"/>
+          </a:solidFill>
+          <a:ln>
+            <a:noFill/>
+          </a:ln>
+        </p:spPr>
+        <p:style>
+          <a:lnRef idx="2">
+            <a:schemeClr val="accent1">
+              <a:shade val="50000"/>
+            </a:schemeClr>
+          </a:lnRef>
+          <a:fillRef idx="1">
+            <a:schemeClr val="accent1"/>
+          </a:fillRef>
+          <a:effectRef idx="0">
+            <a:schemeClr val="accent1"/>
+          </a:effectRef>
+          <a:fontRef idx="minor"/>
+        </p:style>
+      </p:sp>
+      <p:sp>
+        <p:nvSpPr>
+          <p:cNvPr id="51" name="CustomShape 2"/>
+          <p:cNvSpPr/>
+          <p:nvPr/>
+        </p:nvSpPr>
+        <p:spPr>
+          <a:xfrm>
+            <a:off x="0" y="0"/>
+            <a:ext cx="9141480" cy="140400"/>
+          </a:xfrm>
+          <a:prstGeom prst="rect">
+            <a:avLst/>
+          </a:prstGeom>
+          <a:solidFill>
+            <a:srgbClr val="106A85"/>
+          </a:solidFill>
+          <a:ln>
+            <a:noFill/>
+          </a:ln>
+        </p:spPr>
+        <p:style>
+          <a:lnRef idx="2">
+            <a:schemeClr val="accent1">
+              <a:shade val="50000"/>
+            </a:schemeClr>
+          </a:lnRef>
+          <a:fillRef idx="1">
+            <a:schemeClr val="accent1"/>
+          </a:fillRef>
+          <a:effectRef idx="0">
+            <a:schemeClr val="accent1"/>
+          </a:effectRef>
+          <a:fontRef idx="minor"/>
+        </p:style>
+      </p:sp>
+      <p:sp>
+        <p:nvSpPr>
+          <p:cNvPr id="52" name="CustomShape 3"/>
+          <p:cNvSpPr/>
+          <p:nvPr/>
+        </p:nvSpPr>
+        <p:spPr>
+          <a:xfrm>
+            <a:off x="0" y="6561000"/>
+            <a:ext cx="9141480" cy="283320"/>
+          </a:xfrm>
+          <a:prstGeom prst="rect">
+            <a:avLst/>
+          </a:prstGeom>
+          <a:solidFill>
+            <a:srgbClr val="106A85"/>
+          </a:solidFill>
+          <a:ln>
+            <a:noFill/>
+          </a:ln>
+        </p:spPr>
+        <p:style>
+          <a:lnRef idx="2">
+            <a:schemeClr val="accent1">
+              <a:shade val="50000"/>
+            </a:schemeClr>
+          </a:lnRef>
+          <a:fillRef idx="1">
+            <a:schemeClr val="accent1"/>
+          </a:fillRef>
+          <a:effectRef idx="0">
+            <a:schemeClr val="accent1"/>
+          </a:effectRef>
+          <a:fontRef idx="minor"/>
+        </p:style>
+      </p:sp>
+      <p:sp>
+        <p:nvSpPr>
+          <p:cNvPr id="54" name="CustomShape 5"/>
+          <p:cNvSpPr/>
+          <p:nvPr/>
+        </p:nvSpPr>
+        <p:spPr>
+          <a:xfrm>
+            <a:off x="0" y="93600"/>
+            <a:ext cx="9141480" cy="59400"/>
+          </a:xfrm>
+          <a:prstGeom prst="rect">
+            <a:avLst/>
+          </a:prstGeom>
+          <a:solidFill>
+            <a:srgbClr val="F89926"/>
+          </a:solidFill>
+          <a:ln>
+            <a:noFill/>
+          </a:ln>
+        </p:spPr>
+        <p:style>
+          <a:lnRef idx="2">
+            <a:schemeClr val="accent1">
+              <a:shade val="50000"/>
+            </a:schemeClr>
+          </a:lnRef>
+          <a:fillRef idx="1">
+            <a:schemeClr val="accent1"/>
+          </a:fillRef>
+          <a:effectRef idx="0">
+            <a:schemeClr val="accent1"/>
+          </a:effectRef>
+          <a:fontRef idx="minor"/>
+        </p:style>
+      </p:sp>
+      <p:sp>
+        <p:nvSpPr>
+          <p:cNvPr id="55" name="CustomShape 6"/>
+          <p:cNvSpPr/>
+          <p:nvPr/>
+        </p:nvSpPr>
+        <p:spPr>
+          <a:xfrm>
+            <a:off x="256319" y="278280"/>
+            <a:ext cx="2469125" cy="453960"/>
+          </a:xfrm>
+          <a:prstGeom prst="rect">
+            <a:avLst/>
+          </a:prstGeom>
+          <a:noFill/>
+          <a:ln>
+            <a:noFill/>
+          </a:ln>
+        </p:spPr>
+        <p:style>
+          <a:lnRef idx="0">
+            <a:srgbClr val="FFFFFF"/>
+          </a:lnRef>
+          <a:fillRef idx="0">
+            <a:srgbClr val="FFFFFF"/>
+          </a:fillRef>
+          <a:effectRef idx="0">
+            <a:srgbClr val="FFFFFF"/>
+          </a:effectRef>
+          <a:fontRef idx="minor"/>
+        </p:style>
+        <p:txBody>
+          <a:bodyPr wrap="none" lIns="90000" tIns="45000" rIns="90000" bIns="45000"/>
+          <a:lstStyle/>
+          <a:p>
+            <a:pPr>
+              <a:lnSpc>
+                <a:spcPct val="100000"/>
+              </a:lnSpc>
+              <a:spcBef>
+                <a:spcPts val="480"/>
+              </a:spcBef>
+            </a:pPr>
+            <a:r>
+              <a:rPr lang="en-US" altLang="ja-JP" sz="2400" spc="-1" dirty="0">
+                <a:latin typeface="Arial"/>
+              </a:rPr>
+              <a:t>4</a:t>
+            </a:r>
+            <a:r>
+              <a:rPr lang="en-US" altLang="ja-JP" sz="2400" b="0" strike="noStrike" spc="-1" dirty="0">
+                <a:latin typeface="Arial"/>
+              </a:rPr>
+              <a:t>.</a:t>
+            </a:r>
+            <a:r>
+              <a:rPr lang="ja-JP" altLang="en-US" sz="2400" spc="-1" dirty="0">
+                <a:latin typeface="Arial"/>
+              </a:rPr>
+              <a:t> </a:t>
+            </a:r>
+            <a:r>
+              <a:rPr lang="en-US" altLang="ja-JP" sz="2400" spc="-1" dirty="0">
+                <a:latin typeface="Arial"/>
+              </a:rPr>
+              <a:t>Logger</a:t>
+            </a:r>
+            <a:r>
+              <a:rPr lang="ja-JP" altLang="en-US" sz="2400" spc="-1" dirty="0">
+                <a:latin typeface="Arial"/>
+              </a:rPr>
+              <a:t>クラス使用ガイド</a:t>
+            </a:r>
+            <a:endParaRPr lang="en-US" sz="2400" b="0" strike="noStrike" spc="-1" dirty="0">
+              <a:latin typeface="Arial"/>
+            </a:endParaRPr>
+          </a:p>
+        </p:txBody>
+      </p:sp>
+      <p:sp>
+        <p:nvSpPr>
+          <p:cNvPr id="56" name="CustomShape 7"/>
+          <p:cNvSpPr/>
+          <p:nvPr/>
+        </p:nvSpPr>
+        <p:spPr>
+          <a:xfrm>
+            <a:off x="155520" y="-144360"/>
+            <a:ext cx="302400" cy="302400"/>
+          </a:xfrm>
+          <a:prstGeom prst="rect">
+            <a:avLst/>
+          </a:prstGeom>
+          <a:noFill/>
+          <a:ln>
+            <a:noFill/>
+          </a:ln>
+        </p:spPr>
+        <p:style>
+          <a:lnRef idx="0">
+            <a:srgbClr val="FFFFFF"/>
+          </a:lnRef>
+          <a:fillRef idx="0">
+            <a:srgbClr val="FFFFFF"/>
+          </a:fillRef>
+          <a:effectRef idx="0">
+            <a:srgbClr val="FFFFFF"/>
+          </a:effectRef>
+          <a:fontRef idx="minor"/>
+        </p:style>
+      </p:sp>
+      <p:sp>
+        <p:nvSpPr>
+          <p:cNvPr id="57" name="CustomShape 8"/>
+          <p:cNvSpPr/>
+          <p:nvPr/>
+        </p:nvSpPr>
+        <p:spPr>
+          <a:xfrm>
+            <a:off x="155520" y="-144360"/>
+            <a:ext cx="302400" cy="302400"/>
+          </a:xfrm>
+          <a:prstGeom prst="rect">
+            <a:avLst/>
+          </a:prstGeom>
+          <a:noFill/>
+          <a:ln>
+            <a:noFill/>
+          </a:ln>
+        </p:spPr>
+        <p:style>
+          <a:lnRef idx="0">
+            <a:srgbClr val="FFFFFF"/>
+          </a:lnRef>
+          <a:fillRef idx="0">
+            <a:srgbClr val="FFFFFF"/>
+          </a:fillRef>
+          <a:effectRef idx="0">
+            <a:srgbClr val="FFFFFF"/>
+          </a:effectRef>
+          <a:fontRef idx="minor"/>
+        </p:style>
+      </p:sp>
+    </p:spTree>
+    <p:extLst>
+      <p:ext uri="{BB962C8B-B14F-4D97-AF65-F5344CB8AC3E}">
+        <p14:creationId xmlns:p14="http://schemas.microsoft.com/office/powerpoint/2010/main" val="242535256"/>
+      </p:ext>
+    </p:extLst>
+  </p:cSld>
+  <p:clrMapOvr>
+    <a:masterClrMapping/>
+  </p:clrMapOvr>
+</p:sld>
+</file>
+
+<file path=ppt/slides/slide6.xml><?xml version="1.0" encoding="utf-8"?>
 <p:sld xmlns:a="http://schemas.openxmlformats.org/drawingml/2006/main" xmlns:r="http://schemas.openxmlformats.org/officeDocument/2006/relationships" xmlns:p="http://schemas.openxmlformats.org/presentationml/2006/main">
   <p:cSld>
     <p:spTree>
